--- a/ppt/学习总结-20220615.pptx
+++ b/ppt/学习总结-20220615.pptx
@@ -253,7 +253,7 @@
           <a:p>
             <a:fld id="{48A87A34-81AB-432B-8DAE-1953F412C126}" type="datetimeFigureOut">
               <a:rPr lang="en-US" dirty="0"/>
-              <a:t>6/8/2022</a:t>
+              <a:t>6/14/2022</a:t>
             </a:fld>
             <a:endParaRPr lang="en-US" dirty="0"/>
           </a:p>
@@ -459,7 +459,7 @@
           <a:p>
             <a:fld id="{48A87A34-81AB-432B-8DAE-1953F412C126}" type="datetimeFigureOut">
               <a:rPr lang="en-US" dirty="0"/>
-              <a:t>6/8/2022</a:t>
+              <a:t>6/14/2022</a:t>
             </a:fld>
             <a:endParaRPr lang="en-US" dirty="0"/>
           </a:p>
@@ -669,7 +669,7 @@
           <a:p>
             <a:fld id="{48A87A34-81AB-432B-8DAE-1953F412C126}" type="datetimeFigureOut">
               <a:rPr lang="en-US" dirty="0"/>
-              <a:t>6/8/2022</a:t>
+              <a:t>6/14/2022</a:t>
             </a:fld>
             <a:endParaRPr lang="en-US" dirty="0"/>
           </a:p>
@@ -865,7 +865,7 @@
           <a:p>
             <a:fld id="{48A87A34-81AB-432B-8DAE-1953F412C126}" type="datetimeFigureOut">
               <a:rPr lang="en-US" dirty="0"/>
-              <a:t>6/8/2022</a:t>
+              <a:t>6/14/2022</a:t>
             </a:fld>
             <a:endParaRPr lang="en-US" dirty="0"/>
           </a:p>
@@ -1139,7 +1139,7 @@
           <a:p>
             <a:fld id="{48A87A34-81AB-432B-8DAE-1953F412C126}" type="datetimeFigureOut">
               <a:rPr lang="en-US" dirty="0"/>
-              <a:t>6/8/2022</a:t>
+              <a:t>6/14/2022</a:t>
             </a:fld>
             <a:endParaRPr lang="en-US" dirty="0"/>
           </a:p>
@@ -1402,7 +1402,7 @@
           <a:p>
             <a:fld id="{48A87A34-81AB-432B-8DAE-1953F412C126}" type="datetimeFigureOut">
               <a:rPr lang="en-US" dirty="0"/>
-              <a:t>6/8/2022</a:t>
+              <a:t>6/14/2022</a:t>
             </a:fld>
             <a:endParaRPr lang="en-US" dirty="0"/>
           </a:p>
@@ -1813,7 +1813,7 @@
           <a:p>
             <a:fld id="{48A87A34-81AB-432B-8DAE-1953F412C126}" type="datetimeFigureOut">
               <a:rPr lang="en-US" dirty="0"/>
-              <a:t>6/8/2022</a:t>
+              <a:t>6/14/2022</a:t>
             </a:fld>
             <a:endParaRPr lang="en-US" dirty="0"/>
           </a:p>
@@ -1957,7 +1957,7 @@
           <a:p>
             <a:fld id="{48A87A34-81AB-432B-8DAE-1953F412C126}" type="datetimeFigureOut">
               <a:rPr lang="en-US" dirty="0"/>
-              <a:t>6/8/2022</a:t>
+              <a:t>6/14/2022</a:t>
             </a:fld>
             <a:endParaRPr lang="en-US" dirty="0"/>
           </a:p>
@@ -2078,7 +2078,7 @@
           <a:p>
             <a:fld id="{48A87A34-81AB-432B-8DAE-1953F412C126}" type="datetimeFigureOut">
               <a:rPr lang="en-US" dirty="0"/>
-              <a:t>6/8/2022</a:t>
+              <a:t>6/14/2022</a:t>
             </a:fld>
             <a:endParaRPr lang="en-US" dirty="0"/>
           </a:p>
@@ -2324,7 +2324,7 @@
           <a:p>
             <a:fld id="{48A87A34-81AB-432B-8DAE-1953F412C126}" type="datetimeFigureOut">
               <a:rPr lang="en-US" dirty="0"/>
-              <a:t>6/8/2022</a:t>
+              <a:t>6/14/2022</a:t>
             </a:fld>
             <a:endParaRPr lang="en-US" dirty="0"/>
           </a:p>
@@ -2765,7 +2765,7 @@
             <a:fld id="{48A87A34-81AB-432B-8DAE-1953F412C126}" type="datetimeFigureOut">
               <a:rPr lang="en-US" dirty="0"/>
               <a:pPr/>
-              <a:t>6/8/2022</a:t>
+              <a:t>6/14/2022</a:t>
             </a:fld>
             <a:endParaRPr lang="en-US" dirty="0"/>
           </a:p>
@@ -3088,7 +3088,7 @@
             <a:fld id="{48A87A34-81AB-432B-8DAE-1953F412C126}" type="datetimeFigureOut">
               <a:rPr lang="en-US" dirty="0"/>
               <a:pPr/>
-              <a:t>6/8/2022</a:t>
+              <a:t>6/14/2022</a:t>
             </a:fld>
             <a:endParaRPr lang="en-US" dirty="0"/>
           </a:p>
@@ -3637,7 +3637,7 @@
             <a:pPr algn="r"/>
             <a:r>
               <a:rPr lang="en-US" altLang="zh-CN" dirty="0"/>
-              <a:t>2022.06.08</a:t>
+              <a:t>2022.06.15</a:t>
             </a:r>
           </a:p>
           <a:p>
@@ -3727,40 +3727,18 @@
         <p:spPr>
           <a:xfrm>
             <a:off x="1451580" y="2015732"/>
-            <a:ext cx="4227326" cy="3450613"/>
+            <a:ext cx="8647460" cy="3450613"/>
           </a:xfrm>
         </p:spPr>
         <p:txBody>
           <a:bodyPr>
-            <a:normAutofit fontScale="70000" lnSpcReduction="20000"/>
+            <a:normAutofit fontScale="85000" lnSpcReduction="10000"/>
           </a:bodyPr>
           <a:lstStyle/>
           <a:p>
             <a:r>
               <a:rPr lang="en-US" altLang="zh-CN" dirty="0"/>
-              <a:t>1. python</a:t>
-            </a:r>
-            <a:r>
-              <a:rPr lang="zh-CN" altLang="en-US" dirty="0"/>
-              <a:t>基础知识收尾</a:t>
-            </a:r>
-            <a:endParaRPr lang="en-US" altLang="zh-CN" dirty="0"/>
-          </a:p>
-          <a:p>
-            <a:r>
-              <a:rPr lang="en-US" altLang="zh-CN" dirty="0"/>
-              <a:t>2. </a:t>
-            </a:r>
-            <a:r>
-              <a:rPr lang="zh-CN" altLang="en-US" dirty="0"/>
-              <a:t>知识点总结</a:t>
-            </a:r>
-            <a:endParaRPr lang="en-US" altLang="zh-CN" dirty="0"/>
-          </a:p>
-          <a:p>
-            <a:r>
-              <a:rPr lang="en-US" altLang="zh-CN" dirty="0"/>
-              <a:t>3. </a:t>
+              <a:t>1. </a:t>
             </a:r>
             <a:r>
               <a:rPr lang="en-US" altLang="zh-CN" dirty="0" err="1"/>
@@ -3773,41 +3751,9 @@
             <a:endParaRPr lang="en-US" altLang="zh-CN" dirty="0"/>
           </a:p>
           <a:p>
-            <a:pPr lvl="1"/>
-            <a:r>
-              <a:rPr lang="zh-CN" altLang="en-US" dirty="0"/>
-              <a:t>数组创建</a:t>
-            </a:r>
-            <a:endParaRPr lang="en-US" altLang="zh-CN" dirty="0"/>
-          </a:p>
-          <a:p>
-            <a:pPr lvl="1"/>
-            <a:r>
-              <a:rPr lang="zh-CN" altLang="en-US" dirty="0"/>
-              <a:t>索引、切片</a:t>
-            </a:r>
-            <a:endParaRPr lang="en-US" altLang="zh-CN" dirty="0"/>
-          </a:p>
-          <a:p>
-            <a:pPr lvl="1"/>
-            <a:r>
-              <a:rPr lang="zh-CN" altLang="en-US" dirty="0"/>
-              <a:t>广播</a:t>
-            </a:r>
-            <a:endParaRPr lang="en-US" altLang="zh-CN" dirty="0"/>
-          </a:p>
-          <a:p>
-            <a:pPr lvl="1"/>
-            <a:r>
-              <a:rPr lang="zh-CN" altLang="en-US" dirty="0"/>
-              <a:t>迭代</a:t>
-            </a:r>
-            <a:endParaRPr lang="en-US" altLang="zh-CN" dirty="0"/>
-          </a:p>
-          <a:p>
             <a:r>
               <a:rPr lang="en-US" altLang="zh-CN" dirty="0"/>
-              <a:t>4. pandas</a:t>
+              <a:t>2. pandas</a:t>
             </a:r>
             <a:r>
               <a:rPr lang="zh-CN" altLang="en-US" dirty="0"/>
@@ -3818,40 +3764,199 @@
           <a:p>
             <a:pPr lvl="1"/>
             <a:r>
+              <a:rPr lang="zh-CN" altLang="en-US" dirty="0"/>
+              <a:t>选择、赋值</a:t>
+            </a:r>
+            <a:endParaRPr lang="en-US" altLang="zh-CN" dirty="0"/>
+          </a:p>
+          <a:p>
+            <a:pPr lvl="1"/>
+            <a:r>
               <a:rPr lang="en-US" altLang="zh-CN" dirty="0"/>
-              <a:t>Series</a:t>
-            </a:r>
+              <a:t>csv</a:t>
+            </a:r>
+            <a:r>
+              <a:rPr lang="zh-CN" altLang="en-US" dirty="0"/>
+              <a:t>、</a:t>
+            </a:r>
+            <a:r>
+              <a:rPr lang="en-US" altLang="zh-CN" dirty="0" err="1"/>
+              <a:t>json</a:t>
+            </a:r>
+            <a:r>
+              <a:rPr lang="zh-CN" altLang="en-US" dirty="0"/>
+              <a:t>文件导入、导出</a:t>
+            </a:r>
+            <a:endParaRPr lang="en-US" altLang="zh-CN" dirty="0"/>
+          </a:p>
+          <a:p>
+            <a:r>
+              <a:rPr lang="en-US" altLang="zh-CN" dirty="0"/>
+              <a:t>3. matplotlib</a:t>
+            </a:r>
+            <a:r>
+              <a:rPr lang="zh-CN" altLang="en-US" dirty="0"/>
+              <a:t>学习</a:t>
+            </a:r>
+            <a:endParaRPr lang="en-US" altLang="zh-CN" dirty="0"/>
           </a:p>
           <a:p>
             <a:pPr lvl="1"/>
             <a:r>
+              <a:rPr lang="en-US" altLang="zh-CN" dirty="0"/>
+              <a:t>plot()</a:t>
+            </a:r>
+            <a:r>
+              <a:rPr lang="zh-CN" altLang="en-US" dirty="0"/>
+              <a:t>、</a:t>
+            </a:r>
+            <a:r>
+              <a:rPr lang="en-US" altLang="zh-CN" dirty="0"/>
+              <a:t>grid()</a:t>
+            </a:r>
+            <a:r>
+              <a:rPr lang="zh-CN" altLang="en-US" dirty="0"/>
+              <a:t>、</a:t>
+            </a:r>
+            <a:r>
+              <a:rPr lang="en-US" altLang="zh-CN" dirty="0"/>
+              <a:t>scatter()</a:t>
+            </a:r>
+            <a:r>
+              <a:rPr lang="zh-CN" altLang="en-US" dirty="0"/>
+              <a:t>、</a:t>
+            </a:r>
+            <a:r>
+              <a:rPr lang="en-US" altLang="zh-CN" dirty="0"/>
+              <a:t>pie()</a:t>
+            </a:r>
+            <a:r>
+              <a:rPr lang="zh-CN" altLang="en-US" dirty="0"/>
+              <a:t>、</a:t>
+            </a:r>
+            <a:r>
+              <a:rPr lang="en-US" altLang="zh-CN" dirty="0"/>
+              <a:t>bar()</a:t>
+            </a:r>
+            <a:r>
+              <a:rPr lang="zh-CN" altLang="en-US" dirty="0"/>
+              <a:t>、</a:t>
+            </a:r>
+            <a:r>
               <a:rPr lang="en-US" altLang="zh-CN" dirty="0" err="1"/>
-              <a:t>DataFrame</a:t>
+              <a:t>hbar</a:t>
             </a:r>
             <a:r>
               <a:rPr lang="en-US" altLang="zh-CN" dirty="0"/>
-              <a:t> </a:t>
-            </a:r>
-          </a:p>
-          <a:p>
-            <a:pPr lvl="2"/>
+              <a:t>()</a:t>
+            </a:r>
             <a:r>
               <a:rPr lang="zh-CN" altLang="en-US" dirty="0"/>
-              <a:t>创建</a:t>
+              <a:t>函数</a:t>
             </a:r>
             <a:endParaRPr lang="en-US" altLang="zh-CN" dirty="0"/>
           </a:p>
           <a:p>
-            <a:pPr lvl="2"/>
+            <a:pPr lvl="1"/>
+            <a:r>
+              <a:rPr lang="en-US" altLang="zh-CN" dirty="0"/>
+              <a:t>marker</a:t>
+            </a:r>
             <a:r>
               <a:rPr lang="zh-CN" altLang="en-US" dirty="0"/>
-              <a:t>索引、切片</a:t>
+              <a:t>设置（</a:t>
+            </a:r>
+            <a:r>
+              <a:rPr lang="en-US" altLang="zh-CN" dirty="0"/>
+              <a:t>marker</a:t>
+            </a:r>
+            <a:r>
+              <a:rPr lang="zh-CN" altLang="en-US" dirty="0"/>
+              <a:t>、</a:t>
+            </a:r>
+            <a:r>
+              <a:rPr lang="en-US" altLang="zh-CN" dirty="0" err="1"/>
+              <a:t>markersize</a:t>
+            </a:r>
+            <a:r>
+              <a:rPr lang="zh-CN" altLang="en-US" dirty="0"/>
+              <a:t>、</a:t>
+            </a:r>
+            <a:r>
+              <a:rPr lang="en-US" altLang="zh-CN" dirty="0" err="1"/>
+              <a:t>markerfacecolor</a:t>
+            </a:r>
+            <a:r>
+              <a:rPr lang="zh-CN" altLang="en-US" dirty="0"/>
+              <a:t>、</a:t>
+            </a:r>
+            <a:r>
+              <a:rPr lang="en-US" altLang="zh-CN" dirty="0" err="1"/>
+              <a:t>markeredgecolor</a:t>
+            </a:r>
+            <a:r>
+              <a:rPr lang="en-US" altLang="zh-CN" dirty="0"/>
+              <a:t>)</a:t>
+            </a:r>
+          </a:p>
+          <a:p>
+            <a:pPr lvl="1"/>
+            <a:r>
+              <a:rPr lang="zh-CN" altLang="en-US" dirty="0"/>
+              <a:t>线段设置（</a:t>
+            </a:r>
+            <a:r>
+              <a:rPr lang="en-US" altLang="zh-CN" dirty="0" err="1"/>
+              <a:t>linestyle</a:t>
+            </a:r>
+            <a:r>
+              <a:rPr lang="zh-CN" altLang="en-US" dirty="0"/>
+              <a:t>、</a:t>
+            </a:r>
+            <a:r>
+              <a:rPr lang="en-US" altLang="zh-CN" dirty="0"/>
+              <a:t>color</a:t>
+            </a:r>
+            <a:r>
+              <a:rPr lang="zh-CN" altLang="en-US" dirty="0"/>
+              <a:t>、</a:t>
+            </a:r>
+            <a:r>
+              <a:rPr lang="en-US" altLang="zh-CN" dirty="0"/>
+              <a:t>linewidth</a:t>
+            </a:r>
+            <a:r>
+              <a:rPr lang="zh-CN" altLang="en-US" dirty="0"/>
+              <a:t>）</a:t>
             </a:r>
             <a:endParaRPr lang="en-US" altLang="zh-CN" dirty="0"/>
           </a:p>
           <a:p>
-            <a:pPr lvl="2"/>
+            <a:pPr lvl="1"/>
+            <a:r>
+              <a:rPr lang="zh-CN" altLang="en-US" dirty="0"/>
+              <a:t>轴标签、标题</a:t>
+            </a:r>
             <a:endParaRPr lang="en-US" altLang="zh-CN" dirty="0"/>
+          </a:p>
+          <a:p>
+            <a:pPr lvl="1"/>
+            <a:r>
+              <a:rPr lang="zh-CN" altLang="en-US" dirty="0"/>
+              <a:t>多图创建（</a:t>
+            </a:r>
+            <a:r>
+              <a:rPr lang="en-US" altLang="zh-CN" dirty="0"/>
+              <a:t>subplot()</a:t>
+            </a:r>
+            <a:r>
+              <a:rPr lang="zh-CN" altLang="en-US" dirty="0"/>
+              <a:t>、</a:t>
+            </a:r>
+            <a:r>
+              <a:rPr lang="en-US" altLang="zh-CN" dirty="0"/>
+              <a:t>subplots())</a:t>
+            </a:r>
           </a:p>
         </p:txBody>
       </p:sp>
@@ -3939,6 +4044,17 @@
               <a:t>1. </a:t>
             </a:r>
             <a:r>
+              <a:rPr lang="zh-CN" altLang="en-US" dirty="0"/>
+              <a:t>机器学习、深度学习</a:t>
+            </a:r>
+            <a:endParaRPr lang="en-US" altLang="zh-CN" dirty="0"/>
+          </a:p>
+          <a:p>
+            <a:r>
+              <a:rPr lang="en-US" altLang="zh-CN" dirty="0"/>
+              <a:t>2. </a:t>
+            </a:r>
+            <a:r>
               <a:rPr lang="en-US" altLang="zh-CN" dirty="0" err="1"/>
               <a:t>numpy</a:t>
             </a:r>
@@ -3951,7 +4067,7 @@
           <a:p>
             <a:r>
               <a:rPr lang="en-US" altLang="zh-CN" dirty="0"/>
-              <a:t>2. pandas</a:t>
+              <a:t>3. pandas</a:t>
             </a:r>
             <a:r>
               <a:rPr lang="zh-CN" altLang="en-US" dirty="0"/>
@@ -3962,7 +4078,7 @@
           <a:p>
             <a:r>
               <a:rPr lang="en-US" altLang="zh-CN" dirty="0"/>
-              <a:t>3. matplotlib</a:t>
+              <a:t>4. matplotlib</a:t>
             </a:r>
             <a:r>
               <a:rPr lang="zh-CN" altLang="en-US" dirty="0"/>
